--- a/dokumen/generICT_sprint1.pptx
+++ b/dokumen/generICT_sprint1.pptx
@@ -300,7 +300,7 @@
           <a:p>
             <a:fld id="{ADF9BB5B-F630-43B0-9FE5-8C3574B7500B}" type="datetimeFigureOut">
               <a:rPr lang="id-ID" smtClean="0"/>
-              <a:t>05/11/2017</a:t>
+              <a:t>06/11/2017</a:t>
             </a:fld>
             <a:endParaRPr lang="id-ID"/>
           </a:p>
@@ -470,7 +470,7 @@
           <a:p>
             <a:fld id="{ADF9BB5B-F630-43B0-9FE5-8C3574B7500B}" type="datetimeFigureOut">
               <a:rPr lang="id-ID" smtClean="0"/>
-              <a:t>05/11/2017</a:t>
+              <a:t>06/11/2017</a:t>
             </a:fld>
             <a:endParaRPr lang="id-ID"/>
           </a:p>
@@ -650,7 +650,7 @@
           <a:p>
             <a:fld id="{ADF9BB5B-F630-43B0-9FE5-8C3574B7500B}" type="datetimeFigureOut">
               <a:rPr lang="id-ID" smtClean="0"/>
-              <a:t>05/11/2017</a:t>
+              <a:t>06/11/2017</a:t>
             </a:fld>
             <a:endParaRPr lang="id-ID"/>
           </a:p>
@@ -820,7 +820,7 @@
           <a:p>
             <a:fld id="{ADF9BB5B-F630-43B0-9FE5-8C3574B7500B}" type="datetimeFigureOut">
               <a:rPr lang="id-ID" smtClean="0"/>
-              <a:t>05/11/2017</a:t>
+              <a:t>06/11/2017</a:t>
             </a:fld>
             <a:endParaRPr lang="id-ID"/>
           </a:p>
@@ -1066,7 +1066,7 @@
           <a:p>
             <a:fld id="{ADF9BB5B-F630-43B0-9FE5-8C3574B7500B}" type="datetimeFigureOut">
               <a:rPr lang="id-ID" smtClean="0"/>
-              <a:t>05/11/2017</a:t>
+              <a:t>06/11/2017</a:t>
             </a:fld>
             <a:endParaRPr lang="id-ID"/>
           </a:p>
@@ -1354,7 +1354,7 @@
           <a:p>
             <a:fld id="{ADF9BB5B-F630-43B0-9FE5-8C3574B7500B}" type="datetimeFigureOut">
               <a:rPr lang="id-ID" smtClean="0"/>
-              <a:t>05/11/2017</a:t>
+              <a:t>06/11/2017</a:t>
             </a:fld>
             <a:endParaRPr lang="id-ID"/>
           </a:p>
@@ -1776,7 +1776,7 @@
           <a:p>
             <a:fld id="{ADF9BB5B-F630-43B0-9FE5-8C3574B7500B}" type="datetimeFigureOut">
               <a:rPr lang="id-ID" smtClean="0"/>
-              <a:t>05/11/2017</a:t>
+              <a:t>06/11/2017</a:t>
             </a:fld>
             <a:endParaRPr lang="id-ID"/>
           </a:p>
@@ -1894,7 +1894,7 @@
           <a:p>
             <a:fld id="{ADF9BB5B-F630-43B0-9FE5-8C3574B7500B}" type="datetimeFigureOut">
               <a:rPr lang="id-ID" smtClean="0"/>
-              <a:t>05/11/2017</a:t>
+              <a:t>06/11/2017</a:t>
             </a:fld>
             <a:endParaRPr lang="id-ID"/>
           </a:p>
@@ -1989,7 +1989,7 @@
           <a:p>
             <a:fld id="{ADF9BB5B-F630-43B0-9FE5-8C3574B7500B}" type="datetimeFigureOut">
               <a:rPr lang="id-ID" smtClean="0"/>
-              <a:t>05/11/2017</a:t>
+              <a:t>06/11/2017</a:t>
             </a:fld>
             <a:endParaRPr lang="id-ID"/>
           </a:p>
@@ -2266,7 +2266,7 @@
           <a:p>
             <a:fld id="{ADF9BB5B-F630-43B0-9FE5-8C3574B7500B}" type="datetimeFigureOut">
               <a:rPr lang="id-ID" smtClean="0"/>
-              <a:t>05/11/2017</a:t>
+              <a:t>06/11/2017</a:t>
             </a:fld>
             <a:endParaRPr lang="id-ID"/>
           </a:p>
@@ -2519,7 +2519,7 @@
           <a:p>
             <a:fld id="{ADF9BB5B-F630-43B0-9FE5-8C3574B7500B}" type="datetimeFigureOut">
               <a:rPr lang="id-ID" smtClean="0"/>
-              <a:t>05/11/2017</a:t>
+              <a:t>06/11/2017</a:t>
             </a:fld>
             <a:endParaRPr lang="id-ID"/>
           </a:p>
@@ -2732,7 +2732,7 @@
           <a:p>
             <a:fld id="{ADF9BB5B-F630-43B0-9FE5-8C3574B7500B}" type="datetimeFigureOut">
               <a:rPr lang="id-ID" smtClean="0"/>
-              <a:t>05/11/2017</a:t>
+              <a:t>06/11/2017</a:t>
             </a:fld>
             <a:endParaRPr lang="id-ID"/>
           </a:p>
@@ -3516,6 +3516,13 @@
   <p:clrMapOvr>
     <a:masterClrMapping/>
   </p:clrMapOvr>
+  <p:timing>
+    <p:tnLst>
+      <p:par>
+        <p:cTn id="1" dur="indefinite" restart="never" nodeType="tmRoot"/>
+      </p:par>
+    </p:tnLst>
+  </p:timing>
 </p:sld>
 </file>
 
@@ -4459,7 +4466,34 @@
                 </a:solidFill>
                 <a:latin typeface="Arial Rounded MT Bold" panose="020F0704030504030204" pitchFamily="34" charset="0"/>
               </a:rPr>
-              <a:t>--General User--</a:t>
+              <a:t>--</a:t>
+            </a:r>
+            <a:r>
+              <a:rPr lang="id-ID" sz="4000" dirty="0" smtClean="0">
+                <a:solidFill>
+                  <a:schemeClr val="bg1"/>
+                </a:solidFill>
+                <a:latin typeface="Arial Rounded MT Bold" panose="020F0704030504030204" pitchFamily="34" charset="0"/>
+              </a:rPr>
+              <a:t>Registered</a:t>
+            </a:r>
+            <a:r>
+              <a:rPr lang="id-ID" sz="4000" dirty="0" smtClean="0">
+                <a:solidFill>
+                  <a:schemeClr val="bg1"/>
+                </a:solidFill>
+                <a:latin typeface="Arial Rounded MT Bold" panose="020F0704030504030204" pitchFamily="34" charset="0"/>
+              </a:rPr>
+              <a:t> </a:t>
+            </a:r>
+            <a:r>
+              <a:rPr lang="id-ID" sz="4000" dirty="0" smtClean="0">
+                <a:solidFill>
+                  <a:schemeClr val="bg1"/>
+                </a:solidFill>
+                <a:latin typeface="Arial Rounded MT Bold" panose="020F0704030504030204" pitchFamily="34" charset="0"/>
+              </a:rPr>
+              <a:t>User--</a:t>
             </a:r>
             <a:endParaRPr lang="id-ID" sz="4000" dirty="0">
               <a:solidFill>
@@ -5448,6 +5482,13 @@
   <p:clrMapOvr>
     <a:masterClrMapping/>
   </p:clrMapOvr>
+  <p:timing>
+    <p:tnLst>
+      <p:par>
+        <p:cTn id="1" dur="indefinite" restart="never" nodeType="tmRoot"/>
+      </p:par>
+    </p:tnLst>
+  </p:timing>
 </p:sld>
 </file>
 
@@ -5478,7 +5519,12 @@
             <p:ph type="title"/>
           </p:nvPr>
         </p:nvSpPr>
-        <p:spPr/>
+        <p:spPr>
+          <a:xfrm>
+            <a:off x="494485" y="-18256"/>
+            <a:ext cx="8229600" cy="1143000"/>
+          </a:xfrm>
+        </p:spPr>
         <p:txBody>
           <a:bodyPr/>
           <a:lstStyle/>
@@ -5493,19 +5539,7 @@
                 </a:solidFill>
                 <a:latin typeface="Franklin Gothic Demi Cond" panose="020B0706030402020204" pitchFamily="34" charset="0"/>
               </a:rPr>
-              <a:t>Relationship </a:t>
-            </a:r>
-            <a:r>
-              <a:rPr lang="id-ID" b="1" dirty="0" smtClean="0">
-                <a:solidFill>
-                  <a:schemeClr val="tx2">
-                    <a:lumMod val="60000"/>
-                    <a:lumOff val="40000"/>
-                  </a:schemeClr>
-                </a:solidFill>
-                <a:latin typeface="Franklin Gothic Demi Cond" panose="020B0706030402020204" pitchFamily="34" charset="0"/>
-              </a:rPr>
-              <a:t>Diagram</a:t>
+              <a:t>Relationship Diagram</a:t>
             </a:r>
             <a:endParaRPr lang="id-ID" b="1" dirty="0">
               <a:solidFill>
@@ -5521,13 +5555,13 @@
       </p:sp>
       <p:pic>
         <p:nvPicPr>
-          <p:cNvPr id="9218" name="Picture 2"/>
+          <p:cNvPr id="1027" name="Picture 3"/>
           <p:cNvPicPr>
             <a:picLocks noChangeAspect="1" noChangeArrowheads="1"/>
           </p:cNvPicPr>
           <p:nvPr/>
         </p:nvPicPr>
-        <p:blipFill>
+        <p:blipFill rotWithShape="1">
           <a:blip r:embed="rId2">
             <a:extLst>
               <a:ext uri="{28A0092B-C50C-407E-A947-70E740481C1C}">
@@ -5535,15 +5569,13 @@
               </a:ext>
             </a:extLst>
           </a:blip>
-          <a:srcRect/>
-          <a:stretch>
-            <a:fillRect/>
-          </a:stretch>
+          <a:srcRect l="24333" r="14861" b="32744"/>
+          <a:stretch/>
         </p:blipFill>
         <p:spPr bwMode="auto">
           <a:xfrm>
-            <a:off x="0" y="1340768"/>
-            <a:ext cx="8997357" cy="5040560"/>
+            <a:off x="-9128" y="1124744"/>
+            <a:ext cx="9236827" cy="5744006"/>
           </a:xfrm>
           <a:prstGeom prst="rect">
             <a:avLst/>
@@ -5583,6 +5615,13 @@
   <p:clrMapOvr>
     <a:masterClrMapping/>
   </p:clrMapOvr>
+  <p:timing>
+    <p:tnLst>
+      <p:par>
+        <p:cTn id="1" dur="indefinite" restart="never" nodeType="tmRoot"/>
+      </p:par>
+    </p:tnLst>
+  </p:timing>
 </p:sld>
 </file>
 
@@ -5707,14 +5746,14 @@
       </p:sp>
       <p:pic>
         <p:nvPicPr>
-          <p:cNvPr id="4113" name="Picture 17"/>
+          <p:cNvPr id="2050" name="Picture 2"/>
           <p:cNvPicPr>
             <a:picLocks noChangeAspect="1" noChangeArrowheads="1"/>
           </p:cNvPicPr>
           <p:nvPr/>
         </p:nvPicPr>
         <p:blipFill>
-          <a:blip r:embed="rId2" cstate="print">
+          <a:blip r:embed="rId2">
             <a:extLst>
               <a:ext uri="{28A0092B-C50C-407E-A947-70E740481C1C}">
                 <a14:useLocalDpi xmlns:a14="http://schemas.microsoft.com/office/drawing/2010/main" val="0"/>
@@ -5728,8 +5767,8 @@
         </p:blipFill>
         <p:spPr bwMode="auto">
           <a:xfrm>
-            <a:off x="2423921" y="1556792"/>
-            <a:ext cx="4296157" cy="4793671"/>
+            <a:off x="-92694" y="1916832"/>
+            <a:ext cx="9329388" cy="4118768"/>
           </a:xfrm>
           <a:prstGeom prst="rect">
             <a:avLst/>
@@ -5769,6 +5808,13 @@
   <p:clrMapOvr>
     <a:masterClrMapping/>
   </p:clrMapOvr>
+  <p:timing>
+    <p:tnLst>
+      <p:par>
+        <p:cTn id="1" dur="indefinite" restart="never" nodeType="tmRoot"/>
+      </p:par>
+    </p:tnLst>
+  </p:timing>
 </p:sld>
 </file>
 
@@ -5877,6 +5923,13 @@
   <p:clrMapOvr>
     <a:masterClrMapping/>
   </p:clrMapOvr>
+  <p:timing>
+    <p:tnLst>
+      <p:par>
+        <p:cTn id="1" dur="indefinite" restart="never" nodeType="tmRoot"/>
+      </p:par>
+    </p:tnLst>
+  </p:timing>
 </p:sld>
 </file>
 
@@ -5984,6 +6037,13 @@
   <p:clrMapOvr>
     <a:masterClrMapping/>
   </p:clrMapOvr>
+  <p:timing>
+    <p:tnLst>
+      <p:par>
+        <p:cTn id="1" dur="indefinite" restart="never" nodeType="tmRoot"/>
+      </p:par>
+    </p:tnLst>
+  </p:timing>
 </p:sld>
 </file>
 

--- a/dokumen/generICT_sprint1.pptx
+++ b/dokumen/generICT_sprint1.pptx
@@ -4,15 +4,18 @@
   <p:sldMasterIdLst>
     <p:sldMasterId id="2147483648" r:id="rId1"/>
   </p:sldMasterIdLst>
+  <p:notesMasterIdLst>
+    <p:notesMasterId r:id="rId15"/>
+  </p:notesMasterIdLst>
   <p:sldIdLst>
-    <p:sldId id="256" r:id="rId2"/>
-    <p:sldId id="261" r:id="rId3"/>
-    <p:sldId id="264" r:id="rId4"/>
-    <p:sldId id="265" r:id="rId5"/>
-    <p:sldId id="262" r:id="rId6"/>
-    <p:sldId id="266" r:id="rId7"/>
-    <p:sldId id="267" r:id="rId8"/>
-    <p:sldId id="260" r:id="rId9"/>
+    <p:sldId id="270" r:id="rId2"/>
+    <p:sldId id="256" r:id="rId3"/>
+    <p:sldId id="261" r:id="rId4"/>
+    <p:sldId id="264" r:id="rId5"/>
+    <p:sldId id="265" r:id="rId6"/>
+    <p:sldId id="262" r:id="rId7"/>
+    <p:sldId id="266" r:id="rId8"/>
+    <p:sldId id="267" r:id="rId9"/>
     <p:sldId id="257" r:id="rId10"/>
     <p:sldId id="258" r:id="rId11"/>
     <p:sldId id="268" r:id="rId12"/>
@@ -116,7 +119,457 @@
       </a:defRPr>
     </a:lvl9pPr>
   </p:defaultTextStyle>
+  <p:extLst>
+    <p:ext uri="{EFAFB233-063F-42B5-8137-9DF3F51BA10A}">
+      <p15:sldGuideLst xmlns:p15="http://schemas.microsoft.com/office/powerpoint/2012/main">
+        <p15:guide id="1" orient="horz" pos="2160">
+          <p15:clr>
+            <a:srgbClr val="A4A3A4"/>
+          </p15:clr>
+        </p15:guide>
+        <p15:guide id="2" pos="2880">
+          <p15:clr>
+            <a:srgbClr val="A4A3A4"/>
+          </p15:clr>
+        </p15:guide>
+      </p15:sldGuideLst>
+    </p:ext>
+  </p:extLst>
 </p:presentation>
+</file>
+
+<file path=ppt/notesMasters/notesMaster1.xml><?xml version="1.0" encoding="utf-8"?>
+<p:notesMaster xmlns:a="http://schemas.openxmlformats.org/drawingml/2006/main" xmlns:r="http://schemas.openxmlformats.org/officeDocument/2006/relationships" xmlns:p="http://schemas.openxmlformats.org/presentationml/2006/main">
+  <p:cSld>
+    <p:bg>
+      <p:bgRef idx="1001">
+        <a:schemeClr val="bg1"/>
+      </p:bgRef>
+    </p:bg>
+    <p:spTree>
+      <p:nvGrpSpPr>
+        <p:cNvPr id="1" name=""/>
+        <p:cNvGrpSpPr/>
+        <p:nvPr/>
+      </p:nvGrpSpPr>
+      <p:grpSpPr>
+        <a:xfrm>
+          <a:off x="0" y="0"/>
+          <a:ext cx="0" cy="0"/>
+          <a:chOff x="0" y="0"/>
+          <a:chExt cx="0" cy="0"/>
+        </a:xfrm>
+      </p:grpSpPr>
+      <p:sp>
+        <p:nvSpPr>
+          <p:cNvPr id="2" name="Header Placeholder 1"/>
+          <p:cNvSpPr>
+            <a:spLocks noGrp="1"/>
+          </p:cNvSpPr>
+          <p:nvPr>
+            <p:ph type="hdr" sz="quarter"/>
+          </p:nvPr>
+        </p:nvSpPr>
+        <p:spPr>
+          <a:xfrm>
+            <a:off x="0" y="0"/>
+            <a:ext cx="2971800" cy="458788"/>
+          </a:xfrm>
+          <a:prstGeom prst="rect">
+            <a:avLst/>
+          </a:prstGeom>
+        </p:spPr>
+        <p:txBody>
+          <a:bodyPr vert="horz" lIns="91440" tIns="45720" rIns="91440" bIns="45720" rtlCol="0"/>
+          <a:lstStyle>
+            <a:lvl1pPr algn="l">
+              <a:defRPr sz="1200"/>
+            </a:lvl1pPr>
+          </a:lstStyle>
+          <a:p>
+            <a:endParaRPr lang="en-US"/>
+          </a:p>
+        </p:txBody>
+      </p:sp>
+      <p:sp>
+        <p:nvSpPr>
+          <p:cNvPr id="3" name="Date Placeholder 2"/>
+          <p:cNvSpPr>
+            <a:spLocks noGrp="1"/>
+          </p:cNvSpPr>
+          <p:nvPr>
+            <p:ph type="dt" idx="1"/>
+          </p:nvPr>
+        </p:nvSpPr>
+        <p:spPr>
+          <a:xfrm>
+            <a:off x="3884613" y="0"/>
+            <a:ext cx="2971800" cy="458788"/>
+          </a:xfrm>
+          <a:prstGeom prst="rect">
+            <a:avLst/>
+          </a:prstGeom>
+        </p:spPr>
+        <p:txBody>
+          <a:bodyPr vert="horz" lIns="91440" tIns="45720" rIns="91440" bIns="45720" rtlCol="0"/>
+          <a:lstStyle>
+            <a:lvl1pPr algn="r">
+              <a:defRPr sz="1200"/>
+            </a:lvl1pPr>
+          </a:lstStyle>
+          <a:p>
+            <a:fld id="{C1A830BB-CF08-0844-A2FE-DEA008972926}" type="datetimeFigureOut">
+              <a:rPr lang="en-US" smtClean="0"/>
+              <a:t>11/6/17</a:t>
+            </a:fld>
+            <a:endParaRPr lang="en-US"/>
+          </a:p>
+        </p:txBody>
+      </p:sp>
+      <p:sp>
+        <p:nvSpPr>
+          <p:cNvPr id="4" name="Slide Image Placeholder 3"/>
+          <p:cNvSpPr>
+            <a:spLocks noGrp="1" noRot="1" noChangeAspect="1"/>
+          </p:cNvSpPr>
+          <p:nvPr>
+            <p:ph type="sldImg" idx="2"/>
+          </p:nvPr>
+        </p:nvSpPr>
+        <p:spPr>
+          <a:xfrm>
+            <a:off x="1371600" y="1143000"/>
+            <a:ext cx="4114800" cy="3086100"/>
+          </a:xfrm>
+          <a:prstGeom prst="rect">
+            <a:avLst/>
+          </a:prstGeom>
+          <a:noFill/>
+          <a:ln w="12700">
+            <a:solidFill>
+              <a:prstClr val="black"/>
+            </a:solidFill>
+          </a:ln>
+        </p:spPr>
+        <p:txBody>
+          <a:bodyPr vert="horz" lIns="91440" tIns="45720" rIns="91440" bIns="45720" rtlCol="0" anchor="ctr"/>
+          <a:lstStyle/>
+          <a:p>
+            <a:endParaRPr lang="en-US"/>
+          </a:p>
+        </p:txBody>
+      </p:sp>
+      <p:sp>
+        <p:nvSpPr>
+          <p:cNvPr id="5" name="Notes Placeholder 4"/>
+          <p:cNvSpPr>
+            <a:spLocks noGrp="1"/>
+          </p:cNvSpPr>
+          <p:nvPr>
+            <p:ph type="body" sz="quarter" idx="3"/>
+          </p:nvPr>
+        </p:nvSpPr>
+        <p:spPr>
+          <a:xfrm>
+            <a:off x="685800" y="4400550"/>
+            <a:ext cx="5486400" cy="3600450"/>
+          </a:xfrm>
+          <a:prstGeom prst="rect">
+            <a:avLst/>
+          </a:prstGeom>
+        </p:spPr>
+        <p:txBody>
+          <a:bodyPr vert="horz" lIns="91440" tIns="45720" rIns="91440" bIns="45720" rtlCol="0"/>
+          <a:lstStyle/>
+          <a:p>
+            <a:pPr lvl="0"/>
+            <a:r>
+              <a:rPr lang="en-US" smtClean="0"/>
+              <a:t>Click to edit Master text styles</a:t>
+            </a:r>
+          </a:p>
+          <a:p>
+            <a:pPr lvl="1"/>
+            <a:r>
+              <a:rPr lang="en-US" smtClean="0"/>
+              <a:t>Second level</a:t>
+            </a:r>
+          </a:p>
+          <a:p>
+            <a:pPr lvl="2"/>
+            <a:r>
+              <a:rPr lang="en-US" smtClean="0"/>
+              <a:t>Third level</a:t>
+            </a:r>
+          </a:p>
+          <a:p>
+            <a:pPr lvl="3"/>
+            <a:r>
+              <a:rPr lang="en-US" smtClean="0"/>
+              <a:t>Fourth level</a:t>
+            </a:r>
+          </a:p>
+          <a:p>
+            <a:pPr lvl="4"/>
+            <a:r>
+              <a:rPr lang="en-US" smtClean="0"/>
+              <a:t>Fifth level</a:t>
+            </a:r>
+            <a:endParaRPr lang="en-US"/>
+          </a:p>
+        </p:txBody>
+      </p:sp>
+      <p:sp>
+        <p:nvSpPr>
+          <p:cNvPr id="6" name="Footer Placeholder 5"/>
+          <p:cNvSpPr>
+            <a:spLocks noGrp="1"/>
+          </p:cNvSpPr>
+          <p:nvPr>
+            <p:ph type="ftr" sz="quarter" idx="4"/>
+          </p:nvPr>
+        </p:nvSpPr>
+        <p:spPr>
+          <a:xfrm>
+            <a:off x="0" y="8685213"/>
+            <a:ext cx="2971800" cy="458787"/>
+          </a:xfrm>
+          <a:prstGeom prst="rect">
+            <a:avLst/>
+          </a:prstGeom>
+        </p:spPr>
+        <p:txBody>
+          <a:bodyPr vert="horz" lIns="91440" tIns="45720" rIns="91440" bIns="45720" rtlCol="0" anchor="b"/>
+          <a:lstStyle>
+            <a:lvl1pPr algn="l">
+              <a:defRPr sz="1200"/>
+            </a:lvl1pPr>
+          </a:lstStyle>
+          <a:p>
+            <a:endParaRPr lang="en-US"/>
+          </a:p>
+        </p:txBody>
+      </p:sp>
+      <p:sp>
+        <p:nvSpPr>
+          <p:cNvPr id="7" name="Slide Number Placeholder 6"/>
+          <p:cNvSpPr>
+            <a:spLocks noGrp="1"/>
+          </p:cNvSpPr>
+          <p:nvPr>
+            <p:ph type="sldNum" sz="quarter" idx="5"/>
+          </p:nvPr>
+        </p:nvSpPr>
+        <p:spPr>
+          <a:xfrm>
+            <a:off x="3884613" y="8685213"/>
+            <a:ext cx="2971800" cy="458787"/>
+          </a:xfrm>
+          <a:prstGeom prst="rect">
+            <a:avLst/>
+          </a:prstGeom>
+        </p:spPr>
+        <p:txBody>
+          <a:bodyPr vert="horz" lIns="91440" tIns="45720" rIns="91440" bIns="45720" rtlCol="0" anchor="b"/>
+          <a:lstStyle>
+            <a:lvl1pPr algn="r">
+              <a:defRPr sz="1200"/>
+            </a:lvl1pPr>
+          </a:lstStyle>
+          <a:p>
+            <a:fld id="{70C2B823-CDD0-B945-ADAE-7C8C34ED669E}" type="slidenum">
+              <a:rPr lang="en-US" smtClean="0"/>
+              <a:t>‹#›</a:t>
+            </a:fld>
+            <a:endParaRPr lang="en-US"/>
+          </a:p>
+        </p:txBody>
+      </p:sp>
+    </p:spTree>
+    <p:extLst>
+      <p:ext uri="{BB962C8B-B14F-4D97-AF65-F5344CB8AC3E}">
+        <p14:creationId xmlns:p14="http://schemas.microsoft.com/office/powerpoint/2010/main" val="427989822"/>
+      </p:ext>
+    </p:extLst>
+  </p:cSld>
+  <p:clrMap bg1="lt1" tx1="dk1" bg2="lt2" tx2="dk2" accent1="accent1" accent2="accent2" accent3="accent3" accent4="accent4" accent5="accent5" accent6="accent6" hlink="hlink" folHlink="folHlink"/>
+  <p:notesStyle>
+    <a:lvl1pPr marL="0" algn="l" defTabSz="914400" rtl="0" eaLnBrk="1" latinLnBrk="0" hangingPunct="1">
+      <a:defRPr sz="1200" kern="1200">
+        <a:solidFill>
+          <a:schemeClr val="tx1"/>
+        </a:solidFill>
+        <a:latin typeface="+mn-lt"/>
+        <a:ea typeface="+mn-ea"/>
+        <a:cs typeface="+mn-cs"/>
+      </a:defRPr>
+    </a:lvl1pPr>
+    <a:lvl2pPr marL="457200" algn="l" defTabSz="914400" rtl="0" eaLnBrk="1" latinLnBrk="0" hangingPunct="1">
+      <a:defRPr sz="1200" kern="1200">
+        <a:solidFill>
+          <a:schemeClr val="tx1"/>
+        </a:solidFill>
+        <a:latin typeface="+mn-lt"/>
+        <a:ea typeface="+mn-ea"/>
+        <a:cs typeface="+mn-cs"/>
+      </a:defRPr>
+    </a:lvl2pPr>
+    <a:lvl3pPr marL="914400" algn="l" defTabSz="914400" rtl="0" eaLnBrk="1" latinLnBrk="0" hangingPunct="1">
+      <a:defRPr sz="1200" kern="1200">
+        <a:solidFill>
+          <a:schemeClr val="tx1"/>
+        </a:solidFill>
+        <a:latin typeface="+mn-lt"/>
+        <a:ea typeface="+mn-ea"/>
+        <a:cs typeface="+mn-cs"/>
+      </a:defRPr>
+    </a:lvl3pPr>
+    <a:lvl4pPr marL="1371600" algn="l" defTabSz="914400" rtl="0" eaLnBrk="1" latinLnBrk="0" hangingPunct="1">
+      <a:defRPr sz="1200" kern="1200">
+        <a:solidFill>
+          <a:schemeClr val="tx1"/>
+        </a:solidFill>
+        <a:latin typeface="+mn-lt"/>
+        <a:ea typeface="+mn-ea"/>
+        <a:cs typeface="+mn-cs"/>
+      </a:defRPr>
+    </a:lvl4pPr>
+    <a:lvl5pPr marL="1828800" algn="l" defTabSz="914400" rtl="0" eaLnBrk="1" latinLnBrk="0" hangingPunct="1">
+      <a:defRPr sz="1200" kern="1200">
+        <a:solidFill>
+          <a:schemeClr val="tx1"/>
+        </a:solidFill>
+        <a:latin typeface="+mn-lt"/>
+        <a:ea typeface="+mn-ea"/>
+        <a:cs typeface="+mn-cs"/>
+      </a:defRPr>
+    </a:lvl5pPr>
+    <a:lvl6pPr marL="2286000" algn="l" defTabSz="914400" rtl="0" eaLnBrk="1" latinLnBrk="0" hangingPunct="1">
+      <a:defRPr sz="1200" kern="1200">
+        <a:solidFill>
+          <a:schemeClr val="tx1"/>
+        </a:solidFill>
+        <a:latin typeface="+mn-lt"/>
+        <a:ea typeface="+mn-ea"/>
+        <a:cs typeface="+mn-cs"/>
+      </a:defRPr>
+    </a:lvl6pPr>
+    <a:lvl7pPr marL="2743200" algn="l" defTabSz="914400" rtl="0" eaLnBrk="1" latinLnBrk="0" hangingPunct="1">
+      <a:defRPr sz="1200" kern="1200">
+        <a:solidFill>
+          <a:schemeClr val="tx1"/>
+        </a:solidFill>
+        <a:latin typeface="+mn-lt"/>
+        <a:ea typeface="+mn-ea"/>
+        <a:cs typeface="+mn-cs"/>
+      </a:defRPr>
+    </a:lvl7pPr>
+    <a:lvl8pPr marL="3200400" algn="l" defTabSz="914400" rtl="0" eaLnBrk="1" latinLnBrk="0" hangingPunct="1">
+      <a:defRPr sz="1200" kern="1200">
+        <a:solidFill>
+          <a:schemeClr val="tx1"/>
+        </a:solidFill>
+        <a:latin typeface="+mn-lt"/>
+        <a:ea typeface="+mn-ea"/>
+        <a:cs typeface="+mn-cs"/>
+      </a:defRPr>
+    </a:lvl8pPr>
+    <a:lvl9pPr marL="3657600" algn="l" defTabSz="914400" rtl="0" eaLnBrk="1" latinLnBrk="0" hangingPunct="1">
+      <a:defRPr sz="1200" kern="1200">
+        <a:solidFill>
+          <a:schemeClr val="tx1"/>
+        </a:solidFill>
+        <a:latin typeface="+mn-lt"/>
+        <a:ea typeface="+mn-ea"/>
+        <a:cs typeface="+mn-cs"/>
+      </a:defRPr>
+    </a:lvl9pPr>
+  </p:notesStyle>
+</p:notesMaster>
+</file>
+
+<file path=ppt/notesSlides/notesSlide1.xml><?xml version="1.0" encoding="utf-8"?>
+<p:notes xmlns:a="http://schemas.openxmlformats.org/drawingml/2006/main" xmlns:r="http://schemas.openxmlformats.org/officeDocument/2006/relationships" xmlns:p="http://schemas.openxmlformats.org/presentationml/2006/main">
+  <p:cSld>
+    <p:spTree>
+      <p:nvGrpSpPr>
+        <p:cNvPr id="1" name=""/>
+        <p:cNvGrpSpPr/>
+        <p:nvPr/>
+      </p:nvGrpSpPr>
+      <p:grpSpPr>
+        <a:xfrm>
+          <a:off x="0" y="0"/>
+          <a:ext cx="0" cy="0"/>
+          <a:chOff x="0" y="0"/>
+          <a:chExt cx="0" cy="0"/>
+        </a:xfrm>
+      </p:grpSpPr>
+      <p:sp>
+        <p:nvSpPr>
+          <p:cNvPr id="2" name="Slide Image Placeholder 1"/>
+          <p:cNvSpPr>
+            <a:spLocks noGrp="1" noRot="1" noChangeAspect="1"/>
+          </p:cNvSpPr>
+          <p:nvPr>
+            <p:ph type="sldImg"/>
+          </p:nvPr>
+        </p:nvSpPr>
+        <p:spPr/>
+      </p:sp>
+      <p:sp>
+        <p:nvSpPr>
+          <p:cNvPr id="3" name="Notes Placeholder 2"/>
+          <p:cNvSpPr>
+            <a:spLocks noGrp="1"/>
+          </p:cNvSpPr>
+          <p:nvPr>
+            <p:ph type="body" idx="1"/>
+          </p:nvPr>
+        </p:nvSpPr>
+        <p:spPr/>
+        <p:txBody>
+          <a:bodyPr/>
+          <a:lstStyle/>
+          <a:p>
+            <a:endParaRPr lang="en-US" dirty="0"/>
+          </a:p>
+        </p:txBody>
+      </p:sp>
+      <p:sp>
+        <p:nvSpPr>
+          <p:cNvPr id="4" name="Slide Number Placeholder 3"/>
+          <p:cNvSpPr>
+            <a:spLocks noGrp="1"/>
+          </p:cNvSpPr>
+          <p:nvPr>
+            <p:ph type="sldNum" sz="quarter" idx="10"/>
+          </p:nvPr>
+        </p:nvSpPr>
+        <p:spPr/>
+        <p:txBody>
+          <a:bodyPr/>
+          <a:lstStyle/>
+          <a:p>
+            <a:fld id="{0A5508E6-314D-F345-ABD0-B2B7352FE94B}" type="slidenum">
+              <a:rPr lang="en-US" smtClean="0"/>
+              <a:t>1</a:t>
+            </a:fld>
+            <a:endParaRPr lang="en-US"/>
+          </a:p>
+        </p:txBody>
+      </p:sp>
+    </p:spTree>
+    <p:extLst>
+      <p:ext uri="{BB962C8B-B14F-4D97-AF65-F5344CB8AC3E}">
+        <p14:creationId xmlns:p14="http://schemas.microsoft.com/office/powerpoint/2010/main" val="1302204551"/>
+      </p:ext>
+    </p:extLst>
+  </p:cSld>
+  <p:clrMapOvr>
+    <a:masterClrMapping/>
+  </p:clrMapOvr>
+</p:notes>
 </file>
 
 <file path=ppt/slideLayouts/slideLayout1.xml><?xml version="1.0" encoding="utf-8"?>
@@ -300,7 +753,7 @@
           <a:p>
             <a:fld id="{ADF9BB5B-F630-43B0-9FE5-8C3574B7500B}" type="datetimeFigureOut">
               <a:rPr lang="id-ID" smtClean="0"/>
-              <a:t>06/11/2017</a:t>
+              <a:t>06/11/17</a:t>
             </a:fld>
             <a:endParaRPr lang="id-ID"/>
           </a:p>
@@ -470,7 +923,7 @@
           <a:p>
             <a:fld id="{ADF9BB5B-F630-43B0-9FE5-8C3574B7500B}" type="datetimeFigureOut">
               <a:rPr lang="id-ID" smtClean="0"/>
-              <a:t>06/11/2017</a:t>
+              <a:t>06/11/17</a:t>
             </a:fld>
             <a:endParaRPr lang="id-ID"/>
           </a:p>
@@ -650,7 +1103,7 @@
           <a:p>
             <a:fld id="{ADF9BB5B-F630-43B0-9FE5-8C3574B7500B}" type="datetimeFigureOut">
               <a:rPr lang="id-ID" smtClean="0"/>
-              <a:t>06/11/2017</a:t>
+              <a:t>06/11/17</a:t>
             </a:fld>
             <a:endParaRPr lang="id-ID"/>
           </a:p>
@@ -820,7 +1273,7 @@
           <a:p>
             <a:fld id="{ADF9BB5B-F630-43B0-9FE5-8C3574B7500B}" type="datetimeFigureOut">
               <a:rPr lang="id-ID" smtClean="0"/>
-              <a:t>06/11/2017</a:t>
+              <a:t>06/11/17</a:t>
             </a:fld>
             <a:endParaRPr lang="id-ID"/>
           </a:p>
@@ -1066,7 +1519,7 @@
           <a:p>
             <a:fld id="{ADF9BB5B-F630-43B0-9FE5-8C3574B7500B}" type="datetimeFigureOut">
               <a:rPr lang="id-ID" smtClean="0"/>
-              <a:t>06/11/2017</a:t>
+              <a:t>06/11/17</a:t>
             </a:fld>
             <a:endParaRPr lang="id-ID"/>
           </a:p>
@@ -1354,7 +1807,7 @@
           <a:p>
             <a:fld id="{ADF9BB5B-F630-43B0-9FE5-8C3574B7500B}" type="datetimeFigureOut">
               <a:rPr lang="id-ID" smtClean="0"/>
-              <a:t>06/11/2017</a:t>
+              <a:t>06/11/17</a:t>
             </a:fld>
             <a:endParaRPr lang="id-ID"/>
           </a:p>
@@ -1776,7 +2229,7 @@
           <a:p>
             <a:fld id="{ADF9BB5B-F630-43B0-9FE5-8C3574B7500B}" type="datetimeFigureOut">
               <a:rPr lang="id-ID" smtClean="0"/>
-              <a:t>06/11/2017</a:t>
+              <a:t>06/11/17</a:t>
             </a:fld>
             <a:endParaRPr lang="id-ID"/>
           </a:p>
@@ -1894,7 +2347,7 @@
           <a:p>
             <a:fld id="{ADF9BB5B-F630-43B0-9FE5-8C3574B7500B}" type="datetimeFigureOut">
               <a:rPr lang="id-ID" smtClean="0"/>
-              <a:t>06/11/2017</a:t>
+              <a:t>06/11/17</a:t>
             </a:fld>
             <a:endParaRPr lang="id-ID"/>
           </a:p>
@@ -1989,7 +2442,7 @@
           <a:p>
             <a:fld id="{ADF9BB5B-F630-43B0-9FE5-8C3574B7500B}" type="datetimeFigureOut">
               <a:rPr lang="id-ID" smtClean="0"/>
-              <a:t>06/11/2017</a:t>
+              <a:t>06/11/17</a:t>
             </a:fld>
             <a:endParaRPr lang="id-ID"/>
           </a:p>
@@ -2266,7 +2719,7 @@
           <a:p>
             <a:fld id="{ADF9BB5B-F630-43B0-9FE5-8C3574B7500B}" type="datetimeFigureOut">
               <a:rPr lang="id-ID" smtClean="0"/>
-              <a:t>06/11/2017</a:t>
+              <a:t>06/11/17</a:t>
             </a:fld>
             <a:endParaRPr lang="id-ID"/>
           </a:p>
@@ -2519,7 +2972,7 @@
           <a:p>
             <a:fld id="{ADF9BB5B-F630-43B0-9FE5-8C3574B7500B}" type="datetimeFigureOut">
               <a:rPr lang="id-ID" smtClean="0"/>
-              <a:t>06/11/2017</a:t>
+              <a:t>06/11/17</a:t>
             </a:fld>
             <a:endParaRPr lang="id-ID"/>
           </a:p>
@@ -2732,7 +3185,7 @@
           <a:p>
             <a:fld id="{ADF9BB5B-F630-43B0-9FE5-8C3574B7500B}" type="datetimeFigureOut">
               <a:rPr lang="id-ID" smtClean="0"/>
-              <a:t>06/11/2017</a:t>
+              <a:t>06/11/17</a:t>
             </a:fld>
             <a:endParaRPr lang="id-ID"/>
           </a:p>
@@ -3117,111 +3570,206 @@
             <p:ph type="ctrTitle"/>
           </p:nvPr>
         </p:nvSpPr>
+        <p:spPr/>
+        <p:txBody>
+          <a:bodyPr/>
+          <a:lstStyle/>
+          <a:p>
+            <a:endParaRPr lang="en-US" dirty="0"/>
+          </a:p>
+        </p:txBody>
+      </p:sp>
+      <p:sp>
+        <p:nvSpPr>
+          <p:cNvPr id="3" name="Subtitle 2"/>
+          <p:cNvSpPr>
+            <a:spLocks noGrp="1"/>
+          </p:cNvSpPr>
+          <p:nvPr>
+            <p:ph type="subTitle" idx="1"/>
+          </p:nvPr>
+        </p:nvSpPr>
+        <p:spPr/>
+        <p:txBody>
+          <a:bodyPr/>
+          <a:lstStyle/>
+          <a:p>
+            <a:endParaRPr lang="en-US"/>
+          </a:p>
+        </p:txBody>
+      </p:sp>
+      <p:pic>
+        <p:nvPicPr>
+          <p:cNvPr id="5" name="Picture 4"/>
+          <p:cNvPicPr preferRelativeResize="0">
+            <a:picLocks noChangeAspect="1"/>
+          </p:cNvPicPr>
+          <p:nvPr/>
+        </p:nvPicPr>
+        <p:blipFill rotWithShape="1">
+          <a:blip r:embed="rId3">
+            <a:alphaModFix/>
+            <a:extLst>
+              <a:ext uri="{BEBA8EAE-BF5A-486C-A8C5-ECC9F3942E4B}">
+                <a14:imgProps xmlns:a14="http://schemas.microsoft.com/office/drawing/2010/main">
+                  <a14:imgLayer r:embed="rId4">
+                    <a14:imgEffect>
+                      <a14:colorTemperature colorTemp="4270"/>
+                    </a14:imgEffect>
+                    <a14:imgEffect>
+                      <a14:saturation sat="63000"/>
+                    </a14:imgEffect>
+                  </a14:imgLayer>
+                </a14:imgProps>
+              </a:ext>
+              <a:ext uri="{28A0092B-C50C-407E-A947-70E740481C1C}">
+                <a14:useLocalDpi xmlns:a14="http://schemas.microsoft.com/office/drawing/2010/main" val="0"/>
+              </a:ext>
+            </a:extLst>
+          </a:blip>
+          <a:srcRect l="48" t="11" r="245" b="20724"/>
+          <a:stretch/>
+        </p:blipFill>
         <p:spPr>
           <a:xfrm>
-            <a:off x="755576" y="1988840"/>
-            <a:ext cx="7772400" cy="1470025"/>
-          </a:xfrm>
-          <a:solidFill>
-            <a:schemeClr val="tx2">
-              <a:lumMod val="60000"/>
-              <a:lumOff val="40000"/>
-            </a:schemeClr>
-          </a:solidFill>
-        </p:spPr>
-        <p:txBody>
-          <a:bodyPr>
-            <a:normAutofit/>
-          </a:bodyPr>
-          <a:lstStyle/>
-          <a:p>
-            <a:r>
-              <a:rPr lang="id-ID" sz="7200" dirty="0" smtClean="0">
-                <a:solidFill>
-                  <a:schemeClr val="bg1"/>
-                </a:solidFill>
-                <a:latin typeface="Arial Rounded MT Bold" panose="020F0704030504030204" pitchFamily="34" charset="0"/>
-              </a:rPr>
-              <a:t>generICT</a:t>
-            </a:r>
-            <a:endParaRPr lang="id-ID" sz="7200" dirty="0">
-              <a:solidFill>
-                <a:schemeClr val="bg1"/>
-              </a:solidFill>
-              <a:latin typeface="Arial Rounded MT Bold" panose="020F0704030504030204" pitchFamily="34" charset="0"/>
-            </a:endParaRPr>
-          </a:p>
-        </p:txBody>
-      </p:sp>
-      <p:sp>
-        <p:nvSpPr>
-          <p:cNvPr id="3" name="Subtitle 2"/>
-          <p:cNvSpPr>
-            <a:spLocks noGrp="1"/>
-          </p:cNvSpPr>
-          <p:nvPr>
-            <p:ph type="subTitle" idx="1"/>
-          </p:nvPr>
-        </p:nvSpPr>
-        <p:spPr/>
-        <p:txBody>
-          <a:bodyPr>
-            <a:normAutofit/>
-          </a:bodyPr>
-          <a:lstStyle/>
-          <a:p>
-            <a:r>
-              <a:rPr lang="id-ID" b="1" dirty="0" smtClean="0">
-                <a:solidFill>
-                  <a:schemeClr val="tx1"/>
-                </a:solidFill>
-              </a:rPr>
-              <a:t>Sprint 1:</a:t>
-            </a:r>
-          </a:p>
-          <a:p>
-            <a:endParaRPr lang="id-ID" dirty="0"/>
-          </a:p>
-        </p:txBody>
-      </p:sp>
-      <p:sp>
-        <p:nvSpPr>
-          <p:cNvPr id="5" name="TextBox 4"/>
+            <a:off x="0" y="870750"/>
+            <a:ext cx="9144000" cy="5130000"/>
+          </a:xfrm>
+          <a:prstGeom prst="rect">
+            <a:avLst/>
+          </a:prstGeom>
+          <a:effectLst>
+            <a:outerShdw blurRad="50800" dist="50800" dir="5400000" algn="ctr" rotWithShape="0">
+              <a:srgbClr val="000000"/>
+            </a:outerShdw>
+          </a:effectLst>
+        </p:spPr>
+      </p:pic>
+      <p:sp>
+        <p:nvSpPr>
+          <p:cNvPr id="7" name="TextBox 6"/>
           <p:cNvSpPr txBox="1"/>
           <p:nvPr/>
         </p:nvSpPr>
         <p:spPr>
           <a:xfrm>
-            <a:off x="1690215" y="4900518"/>
-            <a:ext cx="662361" cy="369332"/>
+            <a:off x="6675120" y="5537485"/>
+            <a:ext cx="2468880" cy="276999"/>
           </a:xfrm>
           <a:prstGeom prst="rect">
             <a:avLst/>
           </a:prstGeom>
           <a:noFill/>
-        </p:spPr>
-        <p:txBody>
-          <a:bodyPr wrap="none" rtlCol="0">
+          <a:effectLst>
+            <a:outerShdw blurRad="50800" dist="50800" dir="5400000" sx="155000" sy="155000" algn="ctr" rotWithShape="0">
+              <a:srgbClr val="000000">
+                <a:alpha val="43137"/>
+              </a:srgbClr>
+            </a:outerShdw>
+          </a:effectLst>
+        </p:spPr>
+        <p:txBody>
+          <a:bodyPr wrap="square" rtlCol="0">
             <a:spAutoFit/>
           </a:bodyPr>
           <a:lstStyle/>
           <a:p>
             <a:r>
-              <a:rPr lang="id-ID" b="1" dirty="0" smtClean="0">
+              <a:rPr lang="en-US" sz="1200" b="1" dirty="0" err="1">
                 <a:solidFill>
-                  <a:srgbClr val="0099FF"/>
+                  <a:schemeClr val="bg1"/>
                 </a:solidFill>
+                <a:latin typeface="Arial Hebrew" charset="-79"/>
+                <a:ea typeface="Arial Hebrew" charset="-79"/>
+                <a:cs typeface="Arial Hebrew" charset="-79"/>
               </a:rPr>
-              <a:t>Iqbal</a:t>
-            </a:r>
-            <a:endParaRPr lang="id-ID" b="1" dirty="0">
+              <a:t>Dipersembahkan</a:t>
+            </a:r>
+            <a:r>
+              <a:rPr lang="en-US" sz="1200" b="1" dirty="0">
+                <a:solidFill>
+                  <a:schemeClr val="bg1"/>
+                </a:solidFill>
+                <a:latin typeface="Arial Hebrew" charset="-79"/>
+                <a:ea typeface="Arial Hebrew" charset="-79"/>
+                <a:cs typeface="Arial Hebrew" charset="-79"/>
+              </a:rPr>
+              <a:t> </a:t>
+            </a:r>
+            <a:r>
+              <a:rPr lang="en-US" sz="1200" b="1" dirty="0" err="1">
+                <a:solidFill>
+                  <a:schemeClr val="bg1"/>
+                </a:solidFill>
+                <a:latin typeface="Arial Hebrew" charset="-79"/>
+                <a:ea typeface="Arial Hebrew" charset="-79"/>
+                <a:cs typeface="Arial Hebrew" charset="-79"/>
+              </a:rPr>
+              <a:t>oleh</a:t>
+            </a:r>
+            <a:r>
+              <a:rPr lang="en-US" sz="1200" b="1" dirty="0">
+                <a:solidFill>
+                  <a:schemeClr val="bg1"/>
+                </a:solidFill>
+                <a:latin typeface="Arial Hebrew" charset="-79"/>
+                <a:ea typeface="Arial Hebrew" charset="-79"/>
+                <a:cs typeface="Arial Hebrew" charset="-79"/>
+              </a:rPr>
+              <a:t> </a:t>
+            </a:r>
+            <a:r>
+              <a:rPr lang="en-US" sz="1200" b="1" dirty="0" err="1">
+                <a:solidFill>
+                  <a:schemeClr val="bg1"/>
+                </a:solidFill>
+                <a:latin typeface="Arial Hebrew" charset="-79"/>
+                <a:ea typeface="Arial Hebrew" charset="-79"/>
+                <a:cs typeface="Arial Hebrew" charset="-79"/>
+              </a:rPr>
+              <a:t>generICT</a:t>
+            </a:r>
+            <a:endParaRPr lang="en-US" sz="1200" b="1" dirty="0">
               <a:solidFill>
-                <a:srgbClr val="0099FF"/>
+                <a:schemeClr val="bg1"/>
               </a:solidFill>
+              <a:latin typeface="Arial Hebrew" charset="-79"/>
+              <a:ea typeface="Arial Hebrew" charset="-79"/>
+              <a:cs typeface="Arial Hebrew" charset="-79"/>
             </a:endParaRPr>
           </a:p>
         </p:txBody>
       </p:sp>
+      <p:pic>
+        <p:nvPicPr>
+          <p:cNvPr id="4" name="Picture 3"/>
+          <p:cNvPicPr>
+            <a:picLocks noChangeAspect="1"/>
+          </p:cNvPicPr>
+          <p:nvPr/>
+        </p:nvPicPr>
+        <p:blipFill>
+          <a:blip r:embed="rId5">
+            <a:extLst>
+              <a:ext uri="{28A0092B-C50C-407E-A947-70E740481C1C}">
+                <a14:useLocalDpi xmlns:a14="http://schemas.microsoft.com/office/drawing/2010/main" val="0"/>
+              </a:ext>
+            </a:extLst>
+          </a:blip>
+          <a:stretch>
+            <a:fillRect/>
+          </a:stretch>
+        </p:blipFill>
+        <p:spPr>
+          <a:xfrm>
+            <a:off x="3410712" y="1497902"/>
+            <a:ext cx="2322576" cy="2903220"/>
+          </a:xfrm>
+          <a:prstGeom prst="rect">
+            <a:avLst/>
+          </a:prstGeom>
+        </p:spPr>
+      </p:pic>
       <p:sp>
         <p:nvSpPr>
           <p:cNvPr id="6" name="TextBox 5"/>
@@ -3230,8 +3778,8 @@
         </p:nvSpPr>
         <p:spPr>
           <a:xfrm>
-            <a:off x="2987824" y="5445784"/>
-            <a:ext cx="627736" cy="369332"/>
+            <a:off x="2898648" y="4450820"/>
+            <a:ext cx="3473552" cy="323165"/>
           </a:xfrm>
           <a:prstGeom prst="rect">
             <a:avLst/>
@@ -3239,99 +3787,71 @@
           <a:noFill/>
         </p:spPr>
         <p:txBody>
-          <a:bodyPr wrap="none" rtlCol="0">
+          <a:bodyPr wrap="square" rtlCol="0">
             <a:spAutoFit/>
           </a:bodyPr>
           <a:lstStyle/>
           <a:p>
             <a:r>
-              <a:rPr lang="id-ID" b="1" dirty="0" smtClean="0">
-                <a:solidFill>
-                  <a:srgbClr val="0099FF"/>
-                </a:solidFill>
+              <a:rPr lang="en-US" sz="1500" dirty="0" err="1">
+                <a:latin typeface="Segoe Print" charset="0"/>
+                <a:ea typeface="Segoe Print" charset="0"/>
+                <a:cs typeface="Segoe Print" charset="0"/>
               </a:rPr>
-              <a:t>Umy</a:t>
-            </a:r>
-            <a:endParaRPr lang="id-ID" b="1" dirty="0">
-              <a:solidFill>
-                <a:srgbClr val="0099FF"/>
-              </a:solidFill>
-            </a:endParaRPr>
-          </a:p>
-        </p:txBody>
-      </p:sp>
-      <p:sp>
-        <p:nvSpPr>
-          <p:cNvPr id="7" name="TextBox 6"/>
-          <p:cNvSpPr txBox="1"/>
-          <p:nvPr/>
-        </p:nvSpPr>
-        <p:spPr>
-          <a:xfrm>
-            <a:off x="5076056" y="5076452"/>
-            <a:ext cx="780983" cy="369332"/>
-          </a:xfrm>
-          <a:prstGeom prst="rect">
-            <a:avLst/>
-          </a:prstGeom>
-          <a:noFill/>
-        </p:spPr>
-        <p:txBody>
-          <a:bodyPr wrap="none" rtlCol="0">
-            <a:spAutoFit/>
-          </a:bodyPr>
-          <a:lstStyle/>
-          <a:p>
-            <a:r>
-              <a:rPr lang="id-ID" b="1" dirty="0" smtClean="0">
-                <a:solidFill>
-                  <a:srgbClr val="0099FF"/>
-                </a:solidFill>
+              <a:t>Sahabat</a:t>
+            </a:r>
+            <a:r>
+              <a:rPr lang="en-US" sz="1500" dirty="0">
+                <a:latin typeface="Segoe Print" charset="0"/>
+                <a:ea typeface="Segoe Print" charset="0"/>
+                <a:cs typeface="Segoe Print" charset="0"/>
               </a:rPr>
-              <a:t>Endah</a:t>
-            </a:r>
-            <a:endParaRPr lang="id-ID" b="1" dirty="0">
-              <a:solidFill>
-                <a:srgbClr val="0099FF"/>
-              </a:solidFill>
-            </a:endParaRPr>
-          </a:p>
-        </p:txBody>
-      </p:sp>
-      <p:sp>
-        <p:nvSpPr>
-          <p:cNvPr id="8" name="TextBox 7"/>
-          <p:cNvSpPr txBox="1"/>
-          <p:nvPr/>
-        </p:nvSpPr>
-        <p:spPr>
-          <a:xfrm>
-            <a:off x="6934700" y="5445784"/>
-            <a:ext cx="623889" cy="369332"/>
-          </a:xfrm>
-          <a:prstGeom prst="rect">
-            <a:avLst/>
-          </a:prstGeom>
-          <a:noFill/>
-        </p:spPr>
-        <p:txBody>
-          <a:bodyPr wrap="none" rtlCol="0">
-            <a:spAutoFit/>
-          </a:bodyPr>
-          <a:lstStyle/>
-          <a:p>
-            <a:r>
-              <a:rPr lang="id-ID" b="1" dirty="0" smtClean="0">
-                <a:solidFill>
-                  <a:srgbClr val="0099FF"/>
-                </a:solidFill>
+              <a:t> </a:t>
+            </a:r>
+            <a:r>
+              <a:rPr lang="en-US" sz="1500" dirty="0" err="1">
+                <a:latin typeface="Segoe Print" charset="0"/>
+                <a:ea typeface="Segoe Print" charset="0"/>
+                <a:cs typeface="Segoe Print" charset="0"/>
               </a:rPr>
-              <a:t>Hani</a:t>
-            </a:r>
-            <a:endParaRPr lang="id-ID" b="1" dirty="0">
-              <a:solidFill>
-                <a:srgbClr val="0099FF"/>
-              </a:solidFill>
+              <a:t>Finansial</a:t>
+            </a:r>
+            <a:r>
+              <a:rPr lang="en-US" sz="1500" dirty="0">
+                <a:latin typeface="Segoe Print" charset="0"/>
+                <a:ea typeface="Segoe Print" charset="0"/>
+                <a:cs typeface="Segoe Print" charset="0"/>
+              </a:rPr>
+              <a:t> </a:t>
+            </a:r>
+            <a:r>
+              <a:rPr lang="en-US" sz="1500" dirty="0" err="1">
+                <a:latin typeface="Segoe Print" charset="0"/>
+                <a:ea typeface="Segoe Print" charset="0"/>
+                <a:cs typeface="Segoe Print" charset="0"/>
+              </a:rPr>
+              <a:t>Keluarga</a:t>
+            </a:r>
+            <a:r>
+              <a:rPr lang="en-US" sz="1500" dirty="0">
+                <a:latin typeface="Segoe Print" charset="0"/>
+                <a:ea typeface="Segoe Print" charset="0"/>
+                <a:cs typeface="Segoe Print" charset="0"/>
+              </a:rPr>
+              <a:t> </a:t>
+            </a:r>
+            <a:r>
+              <a:rPr lang="en-US" sz="1500" dirty="0" err="1">
+                <a:latin typeface="Segoe Print" charset="0"/>
+                <a:ea typeface="Segoe Print" charset="0"/>
+                <a:cs typeface="Segoe Print" charset="0"/>
+              </a:rPr>
+              <a:t>Anda</a:t>
+            </a:r>
+            <a:endParaRPr lang="en-US" sz="1500" dirty="0">
+              <a:latin typeface="Segoe Print" charset="0"/>
+              <a:ea typeface="Segoe Print" charset="0"/>
+              <a:cs typeface="Segoe Print" charset="0"/>
             </a:endParaRPr>
           </a:p>
         </p:txBody>
@@ -3339,13 +3859,20 @@
     </p:spTree>
     <p:extLst>
       <p:ext uri="{BB962C8B-B14F-4D97-AF65-F5344CB8AC3E}">
-        <p14:creationId xmlns:p14="http://schemas.microsoft.com/office/powerpoint/2010/main" val="1713249552"/>
+        <p14:creationId xmlns:p14="http://schemas.microsoft.com/office/powerpoint/2010/main" val="361240213"/>
       </p:ext>
     </p:extLst>
   </p:cSld>
   <p:clrMapOvr>
     <a:masterClrMapping/>
   </p:clrMapOvr>
+  <p:timing>
+    <p:tnLst>
+      <p:par>
+        <p:cTn id="1" dur="indefinite" restart="never" nodeType="tmRoot"/>
+      </p:par>
+    </p:tnLst>
+  </p:timing>
 </p:sld>
 </file>
 
@@ -3924,6 +4451,265 @@
 <file path=ppt/slides/slide2.xml><?xml version="1.0" encoding="utf-8"?>
 <p:sld xmlns:a="http://schemas.openxmlformats.org/drawingml/2006/main" xmlns:r="http://schemas.openxmlformats.org/officeDocument/2006/relationships" xmlns:p="http://schemas.openxmlformats.org/presentationml/2006/main">
   <p:cSld>
+    <p:spTree>
+      <p:nvGrpSpPr>
+        <p:cNvPr id="1" name=""/>
+        <p:cNvGrpSpPr/>
+        <p:nvPr/>
+      </p:nvGrpSpPr>
+      <p:grpSpPr>
+        <a:xfrm>
+          <a:off x="0" y="0"/>
+          <a:ext cx="0" cy="0"/>
+          <a:chOff x="0" y="0"/>
+          <a:chExt cx="0" cy="0"/>
+        </a:xfrm>
+      </p:grpSpPr>
+      <p:sp>
+        <p:nvSpPr>
+          <p:cNvPr id="2" name="Title 1"/>
+          <p:cNvSpPr>
+            <a:spLocks noGrp="1"/>
+          </p:cNvSpPr>
+          <p:nvPr>
+            <p:ph type="ctrTitle"/>
+          </p:nvPr>
+        </p:nvSpPr>
+        <p:spPr>
+          <a:xfrm>
+            <a:off x="755576" y="1988840"/>
+            <a:ext cx="7772400" cy="1470025"/>
+          </a:xfrm>
+          <a:solidFill>
+            <a:schemeClr val="tx2">
+              <a:lumMod val="60000"/>
+              <a:lumOff val="40000"/>
+            </a:schemeClr>
+          </a:solidFill>
+        </p:spPr>
+        <p:txBody>
+          <a:bodyPr>
+            <a:normAutofit/>
+          </a:bodyPr>
+          <a:lstStyle/>
+          <a:p>
+            <a:r>
+              <a:rPr lang="id-ID" sz="7200" dirty="0" smtClean="0">
+                <a:solidFill>
+                  <a:schemeClr val="bg1"/>
+                </a:solidFill>
+                <a:latin typeface="Arial Rounded MT Bold" panose="020F0704030504030204" pitchFamily="34" charset="0"/>
+              </a:rPr>
+              <a:t>generICT</a:t>
+            </a:r>
+            <a:endParaRPr lang="id-ID" sz="7200" dirty="0">
+              <a:solidFill>
+                <a:schemeClr val="bg1"/>
+              </a:solidFill>
+              <a:latin typeface="Arial Rounded MT Bold" panose="020F0704030504030204" pitchFamily="34" charset="0"/>
+            </a:endParaRPr>
+          </a:p>
+        </p:txBody>
+      </p:sp>
+      <p:sp>
+        <p:nvSpPr>
+          <p:cNvPr id="3" name="Subtitle 2"/>
+          <p:cNvSpPr>
+            <a:spLocks noGrp="1"/>
+          </p:cNvSpPr>
+          <p:nvPr>
+            <p:ph type="subTitle" idx="1"/>
+          </p:nvPr>
+        </p:nvSpPr>
+        <p:spPr/>
+        <p:txBody>
+          <a:bodyPr>
+            <a:normAutofit/>
+          </a:bodyPr>
+          <a:lstStyle/>
+          <a:p>
+            <a:r>
+              <a:rPr lang="id-ID" b="1" dirty="0" smtClean="0">
+                <a:solidFill>
+                  <a:schemeClr val="tx1"/>
+                </a:solidFill>
+              </a:rPr>
+              <a:t>Sprint 1:</a:t>
+            </a:r>
+          </a:p>
+          <a:p>
+            <a:endParaRPr lang="id-ID" dirty="0"/>
+          </a:p>
+        </p:txBody>
+      </p:sp>
+      <p:sp>
+        <p:nvSpPr>
+          <p:cNvPr id="5" name="TextBox 4"/>
+          <p:cNvSpPr txBox="1"/>
+          <p:nvPr/>
+        </p:nvSpPr>
+        <p:spPr>
+          <a:xfrm>
+            <a:off x="4240817" y="5067042"/>
+            <a:ext cx="662361" cy="369332"/>
+          </a:xfrm>
+          <a:prstGeom prst="rect">
+            <a:avLst/>
+          </a:prstGeom>
+          <a:noFill/>
+        </p:spPr>
+        <p:txBody>
+          <a:bodyPr wrap="none" rtlCol="0">
+            <a:spAutoFit/>
+          </a:bodyPr>
+          <a:lstStyle/>
+          <a:p>
+            <a:r>
+              <a:rPr lang="id-ID" b="1" dirty="0" smtClean="0">
+                <a:solidFill>
+                  <a:srgbClr val="0099FF"/>
+                </a:solidFill>
+              </a:rPr>
+              <a:t>Iqbal</a:t>
+            </a:r>
+            <a:endParaRPr lang="id-ID" b="1" dirty="0">
+              <a:solidFill>
+                <a:srgbClr val="0099FF"/>
+              </a:solidFill>
+            </a:endParaRPr>
+          </a:p>
+        </p:txBody>
+      </p:sp>
+      <p:sp>
+        <p:nvSpPr>
+          <p:cNvPr id="6" name="TextBox 5"/>
+          <p:cNvSpPr txBox="1"/>
+          <p:nvPr/>
+        </p:nvSpPr>
+        <p:spPr>
+          <a:xfrm>
+            <a:off x="4260054" y="5382408"/>
+            <a:ext cx="627736" cy="369332"/>
+          </a:xfrm>
+          <a:prstGeom prst="rect">
+            <a:avLst/>
+          </a:prstGeom>
+          <a:noFill/>
+        </p:spPr>
+        <p:txBody>
+          <a:bodyPr wrap="none" rtlCol="0">
+            <a:spAutoFit/>
+          </a:bodyPr>
+          <a:lstStyle/>
+          <a:p>
+            <a:r>
+              <a:rPr lang="id-ID" b="1" dirty="0" smtClean="0">
+                <a:solidFill>
+                  <a:srgbClr val="0099FF"/>
+                </a:solidFill>
+              </a:rPr>
+              <a:t>Umy</a:t>
+            </a:r>
+            <a:endParaRPr lang="id-ID" b="1" dirty="0">
+              <a:solidFill>
+                <a:srgbClr val="0099FF"/>
+              </a:solidFill>
+            </a:endParaRPr>
+          </a:p>
+        </p:txBody>
+      </p:sp>
+      <p:sp>
+        <p:nvSpPr>
+          <p:cNvPr id="7" name="TextBox 6"/>
+          <p:cNvSpPr txBox="1"/>
+          <p:nvPr/>
+        </p:nvSpPr>
+        <p:spPr>
+          <a:xfrm>
+            <a:off x="4181508" y="4495284"/>
+            <a:ext cx="780983" cy="369332"/>
+          </a:xfrm>
+          <a:prstGeom prst="rect">
+            <a:avLst/>
+          </a:prstGeom>
+          <a:noFill/>
+        </p:spPr>
+        <p:txBody>
+          <a:bodyPr wrap="none" rtlCol="0">
+            <a:spAutoFit/>
+          </a:bodyPr>
+          <a:lstStyle/>
+          <a:p>
+            <a:r>
+              <a:rPr lang="id-ID" b="1" dirty="0" smtClean="0">
+                <a:solidFill>
+                  <a:srgbClr val="0099FF"/>
+                </a:solidFill>
+              </a:rPr>
+              <a:t>Endah</a:t>
+            </a:r>
+            <a:endParaRPr lang="id-ID" b="1" dirty="0">
+              <a:solidFill>
+                <a:srgbClr val="0099FF"/>
+              </a:solidFill>
+            </a:endParaRPr>
+          </a:p>
+        </p:txBody>
+      </p:sp>
+      <p:sp>
+        <p:nvSpPr>
+          <p:cNvPr id="8" name="TextBox 7"/>
+          <p:cNvSpPr txBox="1"/>
+          <p:nvPr/>
+        </p:nvSpPr>
+        <p:spPr>
+          <a:xfrm>
+            <a:off x="4260054" y="4762500"/>
+            <a:ext cx="623889" cy="369332"/>
+          </a:xfrm>
+          <a:prstGeom prst="rect">
+            <a:avLst/>
+          </a:prstGeom>
+          <a:noFill/>
+        </p:spPr>
+        <p:txBody>
+          <a:bodyPr wrap="none" rtlCol="0">
+            <a:spAutoFit/>
+          </a:bodyPr>
+          <a:lstStyle/>
+          <a:p>
+            <a:r>
+              <a:rPr lang="id-ID" b="1" dirty="0" smtClean="0">
+                <a:solidFill>
+                  <a:srgbClr val="0099FF"/>
+                </a:solidFill>
+              </a:rPr>
+              <a:t>Hani</a:t>
+            </a:r>
+            <a:endParaRPr lang="id-ID" b="1" dirty="0">
+              <a:solidFill>
+                <a:srgbClr val="0099FF"/>
+              </a:solidFill>
+            </a:endParaRPr>
+          </a:p>
+        </p:txBody>
+      </p:sp>
+    </p:spTree>
+    <p:extLst>
+      <p:ext uri="{BB962C8B-B14F-4D97-AF65-F5344CB8AC3E}">
+        <p14:creationId xmlns:p14="http://schemas.microsoft.com/office/powerpoint/2010/main" val="1713249552"/>
+      </p:ext>
+    </p:extLst>
+  </p:cSld>
+  <p:clrMapOvr>
+    <a:masterClrMapping/>
+  </p:clrMapOvr>
+</p:sld>
+</file>
+
+<file path=ppt/slides/slide3.xml><?xml version="1.0" encoding="utf-8"?>
+<p:sld xmlns:a="http://schemas.openxmlformats.org/drawingml/2006/main" xmlns:r="http://schemas.openxmlformats.org/officeDocument/2006/relationships" xmlns:p="http://schemas.openxmlformats.org/presentationml/2006/main">
+  <p:cSld>
     <p:bg>
       <p:bgPr>
         <a:solidFill>
@@ -3995,7 +4781,7 @@
 </p:sld>
 </file>
 
-<file path=ppt/slides/slide3.xml><?xml version="1.0" encoding="utf-8"?>
+<file path=ppt/slides/slide4.xml><?xml version="1.0" encoding="utf-8"?>
 <p:sld xmlns:a="http://schemas.openxmlformats.org/drawingml/2006/main" xmlns:r="http://schemas.openxmlformats.org/officeDocument/2006/relationships" xmlns:p="http://schemas.openxmlformats.org/presentationml/2006/main">
   <p:cSld>
     <p:spTree>
@@ -4058,7 +4844,16 @@
                 </a:solidFill>
                 <a:latin typeface="Arial Rounded MT Bold" panose="020F0704030504030204" pitchFamily="34" charset="0"/>
               </a:rPr>
-              <a:t>--General User--</a:t>
+              <a:t>General </a:t>
+            </a:r>
+            <a:r>
+              <a:rPr lang="id-ID" sz="4000" dirty="0" err="1" smtClean="0">
+                <a:solidFill>
+                  <a:srgbClr val="00B0F0"/>
+                </a:solidFill>
+                <a:latin typeface="Arial Rounded MT Bold" panose="020F0704030504030204" pitchFamily="34" charset="0"/>
+              </a:rPr>
+              <a:t>User</a:t>
             </a:r>
             <a:endParaRPr lang="id-ID" sz="4000" dirty="0">
               <a:solidFill>
@@ -4209,7 +5004,7 @@
         </p:nvSpPr>
         <p:spPr>
           <a:xfrm>
-            <a:off x="4958858" y="4109359"/>
+            <a:off x="3203848" y="4159095"/>
             <a:ext cx="1296144" cy="576064"/>
           </a:xfrm>
           <a:prstGeom prst="ellipse">
@@ -4253,7 +5048,7 @@
         </p:nvSpPr>
         <p:spPr>
           <a:xfrm>
-            <a:off x="6255002" y="4127406"/>
+            <a:off x="4572000" y="4134957"/>
             <a:ext cx="1296144" cy="576064"/>
           </a:xfrm>
           <a:prstGeom prst="ellipse">
@@ -4297,7 +5092,7 @@
         </p:nvSpPr>
         <p:spPr>
           <a:xfrm>
-            <a:off x="7551146" y="4137068"/>
+            <a:off x="7623154" y="4134957"/>
             <a:ext cx="1296144" cy="576064"/>
           </a:xfrm>
           <a:prstGeom prst="ellipse">
@@ -4377,6 +5172,201 @@
           </a:p>
         </p:txBody>
       </p:sp>
+      <p:cxnSp>
+        <p:nvCxnSpPr>
+          <p:cNvPr id="3" name="Straight Arrow Connector 2"/>
+          <p:cNvCxnSpPr>
+            <a:stCxn id="7" idx="2"/>
+            <a:endCxn id="8" idx="0"/>
+          </p:cNvCxnSpPr>
+          <p:nvPr/>
+        </p:nvCxnSpPr>
+        <p:spPr>
+          <a:xfrm flipH="1">
+            <a:off x="3851920" y="3486885"/>
+            <a:ext cx="3051154" cy="672210"/>
+          </a:xfrm>
+          <a:prstGeom prst="straightConnector1">
+            <a:avLst/>
+          </a:prstGeom>
+          <a:ln>
+            <a:tailEnd type="triangle"/>
+          </a:ln>
+        </p:spPr>
+        <p:style>
+          <a:lnRef idx="1">
+            <a:schemeClr val="accent1"/>
+          </a:lnRef>
+          <a:fillRef idx="0">
+            <a:schemeClr val="accent1"/>
+          </a:fillRef>
+          <a:effectRef idx="0">
+            <a:schemeClr val="accent1"/>
+          </a:effectRef>
+          <a:fontRef idx="minor">
+            <a:schemeClr val="tx1"/>
+          </a:fontRef>
+        </p:style>
+      </p:cxnSp>
+      <p:cxnSp>
+        <p:nvCxnSpPr>
+          <p:cNvPr id="13" name="Straight Arrow Connector 12"/>
+          <p:cNvCxnSpPr>
+            <a:stCxn id="7" idx="2"/>
+            <a:endCxn id="9" idx="0"/>
+          </p:cNvCxnSpPr>
+          <p:nvPr/>
+        </p:nvCxnSpPr>
+        <p:spPr>
+          <a:xfrm flipH="1">
+            <a:off x="5220072" y="3486885"/>
+            <a:ext cx="1683002" cy="648072"/>
+          </a:xfrm>
+          <a:prstGeom prst="straightConnector1">
+            <a:avLst/>
+          </a:prstGeom>
+          <a:ln>
+            <a:tailEnd type="triangle"/>
+          </a:ln>
+        </p:spPr>
+        <p:style>
+          <a:lnRef idx="1">
+            <a:schemeClr val="accent1"/>
+          </a:lnRef>
+          <a:fillRef idx="0">
+            <a:schemeClr val="accent1"/>
+          </a:fillRef>
+          <a:effectRef idx="0">
+            <a:schemeClr val="accent1"/>
+          </a:effectRef>
+          <a:fontRef idx="minor">
+            <a:schemeClr val="tx1"/>
+          </a:fontRef>
+        </p:style>
+      </p:cxnSp>
+      <p:cxnSp>
+        <p:nvCxnSpPr>
+          <p:cNvPr id="15" name="Straight Arrow Connector 14"/>
+          <p:cNvCxnSpPr>
+            <a:stCxn id="7" idx="2"/>
+            <a:endCxn id="10" idx="0"/>
+          </p:cNvCxnSpPr>
+          <p:nvPr/>
+        </p:nvCxnSpPr>
+        <p:spPr>
+          <a:xfrm>
+            <a:off x="6903074" y="3486885"/>
+            <a:ext cx="1368152" cy="648072"/>
+          </a:xfrm>
+          <a:prstGeom prst="straightConnector1">
+            <a:avLst/>
+          </a:prstGeom>
+          <a:ln>
+            <a:tailEnd type="triangle"/>
+          </a:ln>
+        </p:spPr>
+        <p:style>
+          <a:lnRef idx="1">
+            <a:schemeClr val="accent1"/>
+          </a:lnRef>
+          <a:fillRef idx="0">
+            <a:schemeClr val="accent1"/>
+          </a:fillRef>
+          <a:effectRef idx="0">
+            <a:schemeClr val="accent1"/>
+          </a:effectRef>
+          <a:fontRef idx="minor">
+            <a:schemeClr val="tx1"/>
+          </a:fontRef>
+        </p:style>
+      </p:cxnSp>
+      <p:sp>
+        <p:nvSpPr>
+          <p:cNvPr id="21" name="Oval 20"/>
+          <p:cNvSpPr/>
+          <p:nvPr/>
+        </p:nvSpPr>
+        <p:spPr>
+          <a:xfrm>
+            <a:off x="5893800" y="4134957"/>
+            <a:ext cx="1703697" cy="576064"/>
+          </a:xfrm>
+          <a:prstGeom prst="ellipse">
+            <a:avLst/>
+          </a:prstGeom>
+        </p:spPr>
+        <p:style>
+          <a:lnRef idx="2">
+            <a:schemeClr val="accent1">
+              <a:shade val="50000"/>
+            </a:schemeClr>
+          </a:lnRef>
+          <a:fillRef idx="1">
+            <a:schemeClr val="accent1"/>
+          </a:fillRef>
+          <a:effectRef idx="0">
+            <a:schemeClr val="accent1"/>
+          </a:effectRef>
+          <a:fontRef idx="minor">
+            <a:schemeClr val="lt1"/>
+          </a:fontRef>
+        </p:style>
+        <p:txBody>
+          <a:bodyPr rtlCol="0" anchor="ctr"/>
+          <a:lstStyle/>
+          <a:p>
+            <a:pPr algn="ctr"/>
+            <a:r>
+              <a:rPr lang="id-ID" sz="1400" dirty="0" smtClean="0"/>
+              <a:t>Perbandingan</a:t>
+            </a:r>
+          </a:p>
+          <a:p>
+            <a:pPr algn="ctr"/>
+            <a:r>
+              <a:rPr lang="id-ID" sz="1400" dirty="0" smtClean="0"/>
+              <a:t>Harga</a:t>
+            </a:r>
+            <a:endParaRPr lang="id-ID" sz="1400" dirty="0"/>
+          </a:p>
+        </p:txBody>
+      </p:sp>
+      <p:cxnSp>
+        <p:nvCxnSpPr>
+          <p:cNvPr id="26" name="Straight Arrow Connector 25"/>
+          <p:cNvCxnSpPr>
+            <a:stCxn id="7" idx="2"/>
+            <a:endCxn id="21" idx="0"/>
+          </p:cNvCxnSpPr>
+          <p:nvPr/>
+        </p:nvCxnSpPr>
+        <p:spPr>
+          <a:xfrm flipH="1">
+            <a:off x="6745649" y="3486885"/>
+            <a:ext cx="157425" cy="648072"/>
+          </a:xfrm>
+          <a:prstGeom prst="straightConnector1">
+            <a:avLst/>
+          </a:prstGeom>
+          <a:ln>
+            <a:tailEnd type="triangle"/>
+          </a:ln>
+        </p:spPr>
+        <p:style>
+          <a:lnRef idx="1">
+            <a:schemeClr val="accent1"/>
+          </a:lnRef>
+          <a:fillRef idx="0">
+            <a:schemeClr val="accent1"/>
+          </a:fillRef>
+          <a:effectRef idx="0">
+            <a:schemeClr val="accent1"/>
+          </a:effectRef>
+          <a:fontRef idx="minor">
+            <a:schemeClr val="tx1"/>
+          </a:fontRef>
+        </p:style>
+      </p:cxnSp>
     </p:spTree>
     <p:extLst>
       <p:ext uri="{BB962C8B-B14F-4D97-AF65-F5344CB8AC3E}">
@@ -4390,7 +5380,7 @@
 </p:sld>
 </file>
 
-<file path=ppt/slides/slide4.xml><?xml version="1.0" encoding="utf-8"?>
+<file path=ppt/slides/slide5.xml><?xml version="1.0" encoding="utf-8"?>
 <p:sld xmlns:a="http://schemas.openxmlformats.org/drawingml/2006/main" xmlns:r="http://schemas.openxmlformats.org/officeDocument/2006/relationships" xmlns:p="http://schemas.openxmlformats.org/presentationml/2006/main">
   <p:cSld>
     <p:bg>
@@ -4460,16 +5450,7 @@
           </a:lstStyle>
           <a:p>
             <a:r>
-              <a:rPr lang="id-ID" sz="4000" dirty="0" smtClean="0">
-                <a:solidFill>
-                  <a:schemeClr val="bg1"/>
-                </a:solidFill>
-                <a:latin typeface="Arial Rounded MT Bold" panose="020F0704030504030204" pitchFamily="34" charset="0"/>
-              </a:rPr>
-              <a:t>--</a:t>
-            </a:r>
-            <a:r>
-              <a:rPr lang="id-ID" sz="4000" dirty="0" smtClean="0">
+              <a:rPr lang="id-ID" sz="4000" dirty="0" err="1" smtClean="0">
                 <a:solidFill>
                   <a:schemeClr val="bg1"/>
                 </a:solidFill>
@@ -4487,13 +5468,13 @@
               <a:t> </a:t>
             </a:r>
             <a:r>
-              <a:rPr lang="id-ID" sz="4000" dirty="0" smtClean="0">
+              <a:rPr lang="id-ID" sz="4000" dirty="0" err="1" smtClean="0">
                 <a:solidFill>
                   <a:schemeClr val="bg1"/>
                 </a:solidFill>
                 <a:latin typeface="Arial Rounded MT Bold" panose="020F0704030504030204" pitchFamily="34" charset="0"/>
               </a:rPr>
-              <a:t>User--</a:t>
+              <a:t>User</a:t>
             </a:r>
             <a:endParaRPr lang="id-ID" sz="4000" dirty="0">
               <a:solidFill>
@@ -5206,7 +6187,7 @@
 </p:sld>
 </file>
 
-<file path=ppt/slides/slide5.xml><?xml version="1.0" encoding="utf-8"?>
+<file path=ppt/slides/slide6.xml><?xml version="1.0" encoding="utf-8"?>
 <p:sld xmlns:a="http://schemas.openxmlformats.org/drawingml/2006/main" xmlns:r="http://schemas.openxmlformats.org/officeDocument/2006/relationships" xmlns:p="http://schemas.openxmlformats.org/presentationml/2006/main">
   <p:cSld>
     <p:spTree>
@@ -5247,7 +6228,7 @@
                 </a:solidFill>
                 <a:latin typeface="Arial Rounded MT Bold" panose="020F0704030504030204" pitchFamily="34" charset="0"/>
               </a:rPr>
-              <a:t>--Tim Pengesahan--</a:t>
+              <a:t>Tim Pengesahan</a:t>
             </a:r>
             <a:endParaRPr lang="id-ID" dirty="0"/>
           </a:p>
@@ -5492,7 +6473,7 @@
 </p:sld>
 </file>
 
-<file path=ppt/slides/slide6.xml><?xml version="1.0" encoding="utf-8"?>
+<file path=ppt/slides/slide7.xml><?xml version="1.0" encoding="utf-8"?>
 <p:sld xmlns:a="http://schemas.openxmlformats.org/drawingml/2006/main" xmlns:r="http://schemas.openxmlformats.org/officeDocument/2006/relationships" xmlns:p="http://schemas.openxmlformats.org/presentationml/2006/main">
   <p:cSld>
     <p:spTree>
@@ -5625,7 +6606,7 @@
 </p:sld>
 </file>
 
-<file path=ppt/slides/slide7.xml><?xml version="1.0" encoding="utf-8"?>
+<file path=ppt/slides/slide8.xml><?xml version="1.0" encoding="utf-8"?>
 <p:sld xmlns:a="http://schemas.openxmlformats.org/drawingml/2006/main" xmlns:r="http://schemas.openxmlformats.org/officeDocument/2006/relationships" xmlns:p="http://schemas.openxmlformats.org/presentationml/2006/main">
   <p:cSld>
     <p:spTree>
@@ -5802,121 +6783,6 @@
     <p:extLst>
       <p:ext uri="{BB962C8B-B14F-4D97-AF65-F5344CB8AC3E}">
         <p14:creationId xmlns:p14="http://schemas.microsoft.com/office/powerpoint/2010/main" val="152452347"/>
-      </p:ext>
-    </p:extLst>
-  </p:cSld>
-  <p:clrMapOvr>
-    <a:masterClrMapping/>
-  </p:clrMapOvr>
-  <p:timing>
-    <p:tnLst>
-      <p:par>
-        <p:cTn id="1" dur="indefinite" restart="never" nodeType="tmRoot"/>
-      </p:par>
-    </p:tnLst>
-  </p:timing>
-</p:sld>
-</file>
-
-<file path=ppt/slides/slide8.xml><?xml version="1.0" encoding="utf-8"?>
-<p:sld xmlns:a="http://schemas.openxmlformats.org/drawingml/2006/main" xmlns:r="http://schemas.openxmlformats.org/officeDocument/2006/relationships" xmlns:p="http://schemas.openxmlformats.org/presentationml/2006/main">
-  <p:cSld>
-    <p:bg>
-      <p:bgPr>
-        <a:solidFill>
-          <a:schemeClr val="tx2">
-            <a:lumMod val="60000"/>
-            <a:lumOff val="40000"/>
-          </a:schemeClr>
-        </a:solidFill>
-        <a:effectLst/>
-      </p:bgPr>
-    </p:bg>
-    <p:spTree>
-      <p:nvGrpSpPr>
-        <p:cNvPr id="1" name=""/>
-        <p:cNvGrpSpPr/>
-        <p:nvPr/>
-      </p:nvGrpSpPr>
-      <p:grpSpPr>
-        <a:xfrm>
-          <a:off x="0" y="0"/>
-          <a:ext cx="0" cy="0"/>
-          <a:chOff x="0" y="0"/>
-          <a:chExt cx="0" cy="0"/>
-        </a:xfrm>
-      </p:grpSpPr>
-      <p:sp>
-        <p:nvSpPr>
-          <p:cNvPr id="2" name="Title 1"/>
-          <p:cNvSpPr>
-            <a:spLocks noGrp="1"/>
-          </p:cNvSpPr>
-          <p:nvPr>
-            <p:ph type="title"/>
-          </p:nvPr>
-        </p:nvSpPr>
-        <p:spPr>
-          <a:xfrm>
-            <a:off x="539552" y="4149080"/>
-            <a:ext cx="8229600" cy="1143000"/>
-          </a:xfrm>
-        </p:spPr>
-        <p:txBody>
-          <a:bodyPr>
-            <a:noAutofit/>
-          </a:bodyPr>
-          <a:lstStyle/>
-          <a:p>
-            <a:r>
-              <a:rPr lang="id-ID" sz="8800" dirty="0" smtClean="0">
-                <a:solidFill>
-                  <a:schemeClr val="bg1"/>
-                </a:solidFill>
-                <a:latin typeface="Franklin Gothic Demi Cond" panose="020B0706030402020204" pitchFamily="34" charset="0"/>
-              </a:rPr>
-              <a:t>OPERKREDIT.ID</a:t>
-            </a:r>
-            <a:endParaRPr lang="id-ID" sz="8800" dirty="0">
-              <a:solidFill>
-                <a:schemeClr val="bg1"/>
-              </a:solidFill>
-              <a:latin typeface="Franklin Gothic Demi Cond" panose="020B0706030402020204" pitchFamily="34" charset="0"/>
-            </a:endParaRPr>
-          </a:p>
-        </p:txBody>
-      </p:sp>
-      <p:pic>
-        <p:nvPicPr>
-          <p:cNvPr id="6" name="Picture 5"/>
-          <p:cNvPicPr/>
-          <p:nvPr/>
-        </p:nvPicPr>
-        <p:blipFill rotWithShape="1">
-          <a:blip r:embed="rId2">
-            <a:extLst>
-              <a:ext uri="{28A0092B-C50C-407E-A947-70E740481C1C}">
-                <a14:useLocalDpi xmlns:a14="http://schemas.microsoft.com/office/drawing/2010/main" val="0"/>
-              </a:ext>
-            </a:extLst>
-          </a:blip>
-          <a:srcRect l="31546" t="15120" r="29208" b="44891"/>
-          <a:stretch/>
-        </p:blipFill>
-        <p:spPr>
-          <a:xfrm>
-            <a:off x="3131839" y="644205"/>
-            <a:ext cx="3268247" cy="3490826"/>
-          </a:xfrm>
-          <a:prstGeom prst="rect">
-            <a:avLst/>
-          </a:prstGeom>
-        </p:spPr>
-      </p:pic>
-    </p:spTree>
-    <p:extLst>
-      <p:ext uri="{BB962C8B-B14F-4D97-AF65-F5344CB8AC3E}">
-        <p14:creationId xmlns:p14="http://schemas.microsoft.com/office/powerpoint/2010/main" val="1175893764"/>
       </p:ext>
     </p:extLst>
   </p:cSld>
@@ -6330,4 +7196,265 @@
   <a:objectDefaults/>
   <a:extraClrSchemeLst/>
 </a:theme>
+</file>
+
+<file path=ppt/theme/theme2.xml><?xml version="1.0" encoding="utf-8"?>
+<a:theme xmlns:a="http://schemas.openxmlformats.org/drawingml/2006/main" name="Office Theme">
+  <a:themeElements>
+    <a:clrScheme name="Office">
+      <a:dk1>
+        <a:sysClr val="windowText" lastClr="000000"/>
+      </a:dk1>
+      <a:lt1>
+        <a:sysClr val="window" lastClr="FFFFFF"/>
+      </a:lt1>
+      <a:dk2>
+        <a:srgbClr val="44546A"/>
+      </a:dk2>
+      <a:lt2>
+        <a:srgbClr val="E7E6E6"/>
+      </a:lt2>
+      <a:accent1>
+        <a:srgbClr val="4472C4"/>
+      </a:accent1>
+      <a:accent2>
+        <a:srgbClr val="ED7D31"/>
+      </a:accent2>
+      <a:accent3>
+        <a:srgbClr val="A5A5A5"/>
+      </a:accent3>
+      <a:accent4>
+        <a:srgbClr val="FFC000"/>
+      </a:accent4>
+      <a:accent5>
+        <a:srgbClr val="5B9BD5"/>
+      </a:accent5>
+      <a:accent6>
+        <a:srgbClr val="70AD47"/>
+      </a:accent6>
+      <a:hlink>
+        <a:srgbClr val="0563C1"/>
+      </a:hlink>
+      <a:folHlink>
+        <a:srgbClr val="954F72"/>
+      </a:folHlink>
+    </a:clrScheme>
+    <a:fontScheme name="Office">
+      <a:majorFont>
+        <a:latin typeface="Calibri Light" panose="020F0302020204030204"/>
+        <a:ea typeface=""/>
+        <a:cs typeface=""/>
+        <a:font script="Jpan" typeface="Yu Gothic Light"/>
+        <a:font script="Hang" typeface="맑은 고딕"/>
+        <a:font script="Hans" typeface="DengXian Light"/>
+        <a:font script="Hant" typeface="新細明體"/>
+        <a:font script="Arab" typeface="Times New Roman"/>
+        <a:font script="Hebr" typeface="Times New Roman"/>
+        <a:font script="Thai" typeface="Angsana New"/>
+        <a:font script="Ethi" typeface="Nyala"/>
+        <a:font script="Beng" typeface="Vrinda"/>
+        <a:font script="Gujr" typeface="Shruti"/>
+        <a:font script="Khmr" typeface="MoolBoran"/>
+        <a:font script="Knda" typeface="Tunga"/>
+        <a:font script="Guru" typeface="Raavi"/>
+        <a:font script="Cans" typeface="Euphemia"/>
+        <a:font script="Cher" typeface="Plantagenet Cherokee"/>
+        <a:font script="Yiii" typeface="Microsoft Yi Baiti"/>
+        <a:font script="Tibt" typeface="Microsoft Himalaya"/>
+        <a:font script="Thaa" typeface="MV Boli"/>
+        <a:font script="Deva" typeface="Mangal"/>
+        <a:font script="Telu" typeface="Gautami"/>
+        <a:font script="Taml" typeface="Latha"/>
+        <a:font script="Syrc" typeface="Estrangelo Edessa"/>
+        <a:font script="Orya" typeface="Kalinga"/>
+        <a:font script="Mlym" typeface="Kartika"/>
+        <a:font script="Laoo" typeface="DokChampa"/>
+        <a:font script="Sinh" typeface="Iskoola Pota"/>
+        <a:font script="Mong" typeface="Mongolian Baiti"/>
+        <a:font script="Viet" typeface="Times New Roman"/>
+        <a:font script="Uigh" typeface="Microsoft Uighur"/>
+        <a:font script="Geor" typeface="Sylfaen"/>
+      </a:majorFont>
+      <a:minorFont>
+        <a:latin typeface="Calibri" panose="020F0502020204030204"/>
+        <a:ea typeface=""/>
+        <a:cs typeface=""/>
+        <a:font script="Jpan" typeface="Yu Gothic"/>
+        <a:font script="Hang" typeface="맑은 고딕"/>
+        <a:font script="Hans" typeface="DengXian"/>
+        <a:font script="Hant" typeface="新細明體"/>
+        <a:font script="Arab" typeface="Arial"/>
+        <a:font script="Hebr" typeface="Arial"/>
+        <a:font script="Thai" typeface="Cordia New"/>
+        <a:font script="Ethi" typeface="Nyala"/>
+        <a:font script="Beng" typeface="Vrinda"/>
+        <a:font script="Gujr" typeface="Shruti"/>
+        <a:font script="Khmr" typeface="DaunPenh"/>
+        <a:font script="Knda" typeface="Tunga"/>
+        <a:font script="Guru" typeface="Raavi"/>
+        <a:font script="Cans" typeface="Euphemia"/>
+        <a:font script="Cher" typeface="Plantagenet Cherokee"/>
+        <a:font script="Yiii" typeface="Microsoft Yi Baiti"/>
+        <a:font script="Tibt" typeface="Microsoft Himalaya"/>
+        <a:font script="Thaa" typeface="MV Boli"/>
+        <a:font script="Deva" typeface="Mangal"/>
+        <a:font script="Telu" typeface="Gautami"/>
+        <a:font script="Taml" typeface="Latha"/>
+        <a:font script="Syrc" typeface="Estrangelo Edessa"/>
+        <a:font script="Orya" typeface="Kalinga"/>
+        <a:font script="Mlym" typeface="Kartika"/>
+        <a:font script="Laoo" typeface="DokChampa"/>
+        <a:font script="Sinh" typeface="Iskoola Pota"/>
+        <a:font script="Mong" typeface="Mongolian Baiti"/>
+        <a:font script="Viet" typeface="Arial"/>
+        <a:font script="Uigh" typeface="Microsoft Uighur"/>
+        <a:font script="Geor" typeface="Sylfaen"/>
+      </a:minorFont>
+    </a:fontScheme>
+    <a:fmtScheme name="Office">
+      <a:fillStyleLst>
+        <a:solidFill>
+          <a:schemeClr val="phClr"/>
+        </a:solidFill>
+        <a:gradFill rotWithShape="1">
+          <a:gsLst>
+            <a:gs pos="0">
+              <a:schemeClr val="phClr">
+                <a:lumMod val="110000"/>
+                <a:satMod val="105000"/>
+                <a:tint val="67000"/>
+              </a:schemeClr>
+            </a:gs>
+            <a:gs pos="50000">
+              <a:schemeClr val="phClr">
+                <a:lumMod val="105000"/>
+                <a:satMod val="103000"/>
+                <a:tint val="73000"/>
+              </a:schemeClr>
+            </a:gs>
+            <a:gs pos="100000">
+              <a:schemeClr val="phClr">
+                <a:lumMod val="105000"/>
+                <a:satMod val="109000"/>
+                <a:tint val="81000"/>
+              </a:schemeClr>
+            </a:gs>
+          </a:gsLst>
+          <a:lin ang="5400000" scaled="0"/>
+        </a:gradFill>
+        <a:gradFill rotWithShape="1">
+          <a:gsLst>
+            <a:gs pos="0">
+              <a:schemeClr val="phClr">
+                <a:satMod val="103000"/>
+                <a:lumMod val="102000"/>
+                <a:tint val="94000"/>
+              </a:schemeClr>
+            </a:gs>
+            <a:gs pos="50000">
+              <a:schemeClr val="phClr">
+                <a:satMod val="110000"/>
+                <a:lumMod val="100000"/>
+                <a:shade val="100000"/>
+              </a:schemeClr>
+            </a:gs>
+            <a:gs pos="100000">
+              <a:schemeClr val="phClr">
+                <a:lumMod val="99000"/>
+                <a:satMod val="120000"/>
+                <a:shade val="78000"/>
+              </a:schemeClr>
+            </a:gs>
+          </a:gsLst>
+          <a:lin ang="5400000" scaled="0"/>
+        </a:gradFill>
+      </a:fillStyleLst>
+      <a:lnStyleLst>
+        <a:ln w="6350" cap="flat" cmpd="sng" algn="ctr">
+          <a:solidFill>
+            <a:schemeClr val="phClr"/>
+          </a:solidFill>
+          <a:prstDash val="solid"/>
+          <a:miter lim="800000"/>
+        </a:ln>
+        <a:ln w="12700" cap="flat" cmpd="sng" algn="ctr">
+          <a:solidFill>
+            <a:schemeClr val="phClr"/>
+          </a:solidFill>
+          <a:prstDash val="solid"/>
+          <a:miter lim="800000"/>
+        </a:ln>
+        <a:ln w="19050" cap="flat" cmpd="sng" algn="ctr">
+          <a:solidFill>
+            <a:schemeClr val="phClr"/>
+          </a:solidFill>
+          <a:prstDash val="solid"/>
+          <a:miter lim="800000"/>
+        </a:ln>
+      </a:lnStyleLst>
+      <a:effectStyleLst>
+        <a:effectStyle>
+          <a:effectLst/>
+        </a:effectStyle>
+        <a:effectStyle>
+          <a:effectLst/>
+        </a:effectStyle>
+        <a:effectStyle>
+          <a:effectLst>
+            <a:outerShdw blurRad="57150" dist="19050" dir="5400000" algn="ctr" rotWithShape="0">
+              <a:srgbClr val="000000">
+                <a:alpha val="63000"/>
+              </a:srgbClr>
+            </a:outerShdw>
+          </a:effectLst>
+        </a:effectStyle>
+      </a:effectStyleLst>
+      <a:bgFillStyleLst>
+        <a:solidFill>
+          <a:schemeClr val="phClr"/>
+        </a:solidFill>
+        <a:solidFill>
+          <a:schemeClr val="phClr">
+            <a:tint val="95000"/>
+            <a:satMod val="170000"/>
+          </a:schemeClr>
+        </a:solidFill>
+        <a:gradFill rotWithShape="1">
+          <a:gsLst>
+            <a:gs pos="0">
+              <a:schemeClr val="phClr">
+                <a:tint val="93000"/>
+                <a:satMod val="150000"/>
+                <a:shade val="98000"/>
+                <a:lumMod val="102000"/>
+              </a:schemeClr>
+            </a:gs>
+            <a:gs pos="50000">
+              <a:schemeClr val="phClr">
+                <a:tint val="98000"/>
+                <a:satMod val="130000"/>
+                <a:shade val="90000"/>
+                <a:lumMod val="103000"/>
+              </a:schemeClr>
+            </a:gs>
+            <a:gs pos="100000">
+              <a:schemeClr val="phClr">
+                <a:shade val="63000"/>
+                <a:satMod val="120000"/>
+              </a:schemeClr>
+            </a:gs>
+          </a:gsLst>
+          <a:lin ang="5400000" scaled="0"/>
+        </a:gradFill>
+      </a:bgFillStyleLst>
+    </a:fmtScheme>
+  </a:themeElements>
+  <a:objectDefaults/>
+  <a:extraClrSchemeLst/>
+  <a:extLst>
+    <a:ext uri="{05A4C25C-085E-4340-85A3-A5531E510DB2}">
+      <thm15:themeFamily xmlns:thm15="http://schemas.microsoft.com/office/thememl/2012/main" name="Office Theme" id="{62F939B6-93AF-4DB8-9C6B-D6C7DFDC589F}" vid="{4A3C46E8-61CC-4603-A589-7422A47A8E4A}"/>
+    </a:ext>
+  </a:extLst>
+</a:theme>
 </file>